--- a/logo.pptx
+++ b/logo.pptx
@@ -6,6 +6,7 @@
   </p:sldMasterIdLst>
   <p:sldIdLst>
     <p:sldId id="257" r:id="rId2"/>
+    <p:sldId id="259" r:id="rId3"/>
   </p:sldIdLst>
   <p:sldSz cx="12192000" cy="6858000"/>
   <p:notesSz cx="6858000" cy="9144000"/>
@@ -104,6 +105,11 @@
       </a:defRPr>
     </a:lvl9pPr>
   </p:defaultTextStyle>
+  <p:extLst>
+    <p:ext uri="{EFAFB233-063F-42B5-8137-9DF3F51BA10A}">
+      <p15:sldGuideLst xmlns:p15="http://schemas.microsoft.com/office/powerpoint/2012/main"/>
+    </p:ext>
+  </p:extLst>
 </p:presentation>
 </file>
 
@@ -3140,6 +3146,65 @@
 </p:sld>
 </file>
 
+<file path=ppt/slides/slide2.xml><?xml version="1.0" encoding="utf-8"?>
+<p:sld xmlns:a="http://schemas.openxmlformats.org/drawingml/2006/main" xmlns:r="http://schemas.openxmlformats.org/officeDocument/2006/relationships" xmlns:p="http://schemas.openxmlformats.org/presentationml/2006/main">
+  <p:cSld>
+    <p:spTree>
+      <p:nvGrpSpPr>
+        <p:cNvPr id="1" name=""/>
+        <p:cNvGrpSpPr/>
+        <p:nvPr/>
+      </p:nvGrpSpPr>
+      <p:grpSpPr>
+        <a:xfrm>
+          <a:off x="0" y="0"/>
+          <a:ext cx="0" cy="0"/>
+          <a:chOff x="0" y="0"/>
+          <a:chExt cx="0" cy="0"/>
+        </a:xfrm>
+      </p:grpSpPr>
+      <p:pic>
+        <p:nvPicPr>
+          <p:cNvPr id="2" name="Picture 1"/>
+          <p:cNvPicPr>
+            <a:picLocks noChangeAspect="1"/>
+          </p:cNvPicPr>
+          <p:nvPr/>
+        </p:nvPicPr>
+        <p:blipFill rotWithShape="1">
+          <a:blip r:embed="rId2" cstate="print">
+            <a:extLst>
+              <a:ext uri="{28A0092B-C50C-407E-A947-70E740481C1C}">
+                <a14:useLocalDpi xmlns:a14="http://schemas.microsoft.com/office/drawing/2010/main" val="0"/>
+              </a:ext>
+            </a:extLst>
+          </a:blip>
+          <a:srcRect l="37217" t="12652" r="51260" b="64898"/>
+          <a:stretch/>
+        </p:blipFill>
+        <p:spPr>
+          <a:xfrm>
+            <a:off x="3944472" y="1416423"/>
+            <a:ext cx="2286000" cy="2968788"/>
+          </a:xfrm>
+          <a:prstGeom prst="rect">
+            <a:avLst/>
+          </a:prstGeom>
+        </p:spPr>
+      </p:pic>
+    </p:spTree>
+    <p:extLst>
+      <p:ext uri="{BB962C8B-B14F-4D97-AF65-F5344CB8AC3E}">
+        <p14:creationId xmlns:p14="http://schemas.microsoft.com/office/powerpoint/2010/main" val="1215382290"/>
+      </p:ext>
+    </p:extLst>
+  </p:cSld>
+  <p:clrMapOvr>
+    <a:masterClrMapping/>
+  </p:clrMapOvr>
+</p:sld>
+</file>
+
 <file path=ppt/theme/theme1.xml><?xml version="1.0" encoding="utf-8"?>
 <a:theme xmlns:a="http://schemas.openxmlformats.org/drawingml/2006/main" name="Office Theme">
   <a:themeElements>

--- a/logo.pptx
+++ b/logo.pptx
@@ -3184,8 +3184,8 @@
         </p:blipFill>
         <p:spPr>
           <a:xfrm>
-            <a:off x="3944472" y="1416423"/>
-            <a:ext cx="2286000" cy="2968788"/>
+            <a:off x="4606324" y="1387242"/>
+            <a:ext cx="1463551" cy="1900688"/>
           </a:xfrm>
           <a:prstGeom prst="rect">
             <a:avLst/>

--- a/logo.pptx
+++ b/logo.pptx
@@ -2972,121 +2972,98 @@
       </p:grpSpPr>
       <p:sp>
         <p:nvSpPr>
-          <p:cNvPr id="7" name="TextBox 6"/>
-          <p:cNvSpPr txBox="1"/>
+          <p:cNvPr id="15" name="Rectangle 14"/>
+          <p:cNvSpPr/>
           <p:nvPr/>
         </p:nvSpPr>
         <p:spPr>
           <a:xfrm>
-            <a:off x="5119633" y="2489910"/>
-            <a:ext cx="1160585" cy="1323439"/>
+            <a:off x="7191946" y="2181160"/>
+            <a:ext cx="1428206" cy="1400240"/>
           </a:xfrm>
           <a:prstGeom prst="rect">
             <a:avLst/>
           </a:prstGeom>
-          <a:noFill/>
-        </p:spPr>
-        <p:txBody>
-          <a:bodyPr wrap="square" rtlCol="0">
-            <a:spAutoFit/>
-          </a:bodyPr>
-          <a:lstStyle/>
-          <a:p>
-            <a:pPr algn="ctr"/>
-            <a:r>
-              <a:rPr lang="en-US" sz="4000" dirty="0" smtClean="0">
-                <a:latin typeface="Georgia" panose="02040502050405020303" pitchFamily="18" charset="0"/>
-              </a:rPr>
-              <a:t>K W</a:t>
-            </a:r>
-            <a:endParaRPr lang="en-US" sz="4000" dirty="0">
-              <a:latin typeface="Georgia" panose="02040502050405020303" pitchFamily="18" charset="0"/>
-            </a:endParaRPr>
-          </a:p>
-          <a:p>
-            <a:pPr algn="ctr"/>
-            <a:r>
-              <a:rPr lang="en-US" sz="4000" dirty="0" smtClean="0">
-                <a:latin typeface="Georgia" panose="02040502050405020303" pitchFamily="18" charset="0"/>
-              </a:rPr>
-              <a:t>G</a:t>
-            </a:r>
-            <a:endParaRPr lang="en-US" sz="4000" dirty="0">
-              <a:latin typeface="Georgia" panose="02040502050405020303" pitchFamily="18" charset="0"/>
-            </a:endParaRPr>
-          </a:p>
-        </p:txBody>
-      </p:sp>
-      <p:cxnSp>
-        <p:nvCxnSpPr>
-          <p:cNvPr id="6" name="Straight Connector 5"/>
-          <p:cNvCxnSpPr/>
-          <p:nvPr/>
-        </p:nvCxnSpPr>
-        <p:spPr>
-          <a:xfrm flipV="1">
-            <a:off x="5014127" y="3207302"/>
-            <a:ext cx="1371600" cy="0"/>
-          </a:xfrm>
-          <a:prstGeom prst="line">
-            <a:avLst/>
-          </a:prstGeom>
-          <a:ln w="38100">
-            <a:solidFill>
-              <a:srgbClr val="0070C0"/>
-            </a:solidFill>
-          </a:ln>
+          <a:solidFill>
+            <a:schemeClr val="accent1">
+              <a:alpha val="50000"/>
+            </a:schemeClr>
+          </a:solidFill>
         </p:spPr>
         <p:style>
-          <a:lnRef idx="1">
-            <a:schemeClr val="accent1"/>
+          <a:lnRef idx="2">
+            <a:schemeClr val="accent1">
+              <a:shade val="50000"/>
+            </a:schemeClr>
           </a:lnRef>
-          <a:fillRef idx="0">
+          <a:fillRef idx="1">
             <a:schemeClr val="accent1"/>
           </a:fillRef>
           <a:effectRef idx="0">
             <a:schemeClr val="accent1"/>
           </a:effectRef>
           <a:fontRef idx="minor">
-            <a:schemeClr val="tx1"/>
+            <a:schemeClr val="lt1"/>
           </a:fontRef>
         </p:style>
-      </p:cxnSp>
-      <p:cxnSp>
-        <p:nvCxnSpPr>
-          <p:cNvPr id="8" name="Straight Connector 7"/>
-          <p:cNvCxnSpPr/>
+        <p:txBody>
+          <a:bodyPr rtlCol="0" anchor="ctr"/>
+          <a:lstStyle/>
+          <a:p>
+            <a:pPr algn="ctr"/>
+            <a:endParaRPr lang="en-US"/>
+          </a:p>
+        </p:txBody>
+      </p:sp>
+      <p:sp>
+        <p:nvSpPr>
+          <p:cNvPr id="7" name="TextBox 6"/>
+          <p:cNvSpPr txBox="1"/>
           <p:nvPr/>
-        </p:nvCxnSpPr>
+        </p:nvSpPr>
         <p:spPr>
-          <a:xfrm flipV="1">
-            <a:off x="5014127" y="3127549"/>
-            <a:ext cx="1371600" cy="0"/>
+          <a:xfrm>
+            <a:off x="7252238" y="2216128"/>
+            <a:ext cx="1307622" cy="1323439"/>
           </a:xfrm>
-          <a:prstGeom prst="line">
+          <a:prstGeom prst="rect">
             <a:avLst/>
           </a:prstGeom>
+          <a:noFill/>
           <a:ln w="38100">
             <a:solidFill>
-              <a:srgbClr val="0070C0"/>
+              <a:schemeClr val="tx1"/>
             </a:solidFill>
           </a:ln>
         </p:spPr>
-        <p:style>
-          <a:lnRef idx="1">
-            <a:schemeClr val="accent1"/>
-          </a:lnRef>
-          <a:fillRef idx="0">
-            <a:schemeClr val="accent1"/>
-          </a:fillRef>
-          <a:effectRef idx="0">
-            <a:schemeClr val="accent1"/>
-          </a:effectRef>
-          <a:fontRef idx="minor">
-            <a:schemeClr val="tx1"/>
-          </a:fontRef>
-        </p:style>
-      </p:cxnSp>
+        <p:txBody>
+          <a:bodyPr wrap="square" rtlCol="0">
+            <a:spAutoFit/>
+          </a:bodyPr>
+          <a:lstStyle/>
+          <a:p>
+            <a:pPr algn="ctr"/>
+            <a:r>
+              <a:rPr lang="en-US" sz="4000" dirty="0" smtClean="0">
+                <a:latin typeface="Georgia" panose="02040502050405020303" pitchFamily="18" charset="0"/>
+              </a:rPr>
+              <a:t>K  W</a:t>
+            </a:r>
+          </a:p>
+          <a:p>
+            <a:pPr algn="ctr"/>
+            <a:r>
+              <a:rPr lang="en-US" sz="4000" dirty="0" smtClean="0">
+                <a:latin typeface="Georgia" panose="02040502050405020303" pitchFamily="18" charset="0"/>
+              </a:rPr>
+              <a:t>G</a:t>
+            </a:r>
+            <a:endParaRPr lang="en-US" sz="4000" dirty="0">
+              <a:latin typeface="Georgia" panose="02040502050405020303" pitchFamily="18" charset="0"/>
+            </a:endParaRPr>
+          </a:p>
+        </p:txBody>
+      </p:sp>
       <p:sp>
         <p:nvSpPr>
           <p:cNvPr id="4" name="Oval 3"/>
@@ -3095,8 +3072,8 @@
         </p:nvSpPr>
         <p:spPr>
           <a:xfrm>
-            <a:off x="5014127" y="2441749"/>
-            <a:ext cx="1371600" cy="1371600"/>
+            <a:off x="7768889" y="2673196"/>
+            <a:ext cx="274320" cy="274320"/>
           </a:xfrm>
           <a:prstGeom prst="ellipse">
             <a:avLst/>
@@ -3133,6 +3110,148 @@
           </a:p>
         </p:txBody>
       </p:sp>
+      <p:sp>
+        <p:nvSpPr>
+          <p:cNvPr id="3" name="TextBox 2"/>
+          <p:cNvSpPr txBox="1"/>
+          <p:nvPr/>
+        </p:nvSpPr>
+        <p:spPr>
+          <a:xfrm>
+            <a:off x="7749294" y="2578184"/>
+            <a:ext cx="313510" cy="369332"/>
+          </a:xfrm>
+          <a:prstGeom prst="rect">
+            <a:avLst/>
+          </a:prstGeom>
+          <a:noFill/>
+          <a:ln w="12700">
+            <a:noFill/>
+          </a:ln>
+        </p:spPr>
+        <p:txBody>
+          <a:bodyPr wrap="square" rtlCol="0">
+            <a:spAutoFit/>
+          </a:bodyPr>
+          <a:lstStyle/>
+          <a:p>
+            <a:r>
+              <a:rPr lang="en-US" b="1" dirty="0" smtClean="0">
+                <a:latin typeface="Georgia" panose="02040502050405020303" pitchFamily="18" charset="0"/>
+              </a:rPr>
+              <a:t>5</a:t>
+            </a:r>
+            <a:endParaRPr lang="en-US" b="1" dirty="0">
+              <a:latin typeface="Georgia" panose="02040502050405020303" pitchFamily="18" charset="0"/>
+            </a:endParaRPr>
+          </a:p>
+        </p:txBody>
+      </p:sp>
+      <p:cxnSp>
+        <p:nvCxnSpPr>
+          <p:cNvPr id="21" name="Straight Connector 20"/>
+          <p:cNvCxnSpPr/>
+          <p:nvPr/>
+        </p:nvCxnSpPr>
+        <p:spPr>
+          <a:xfrm flipH="1" flipV="1">
+            <a:off x="8036009" y="2869138"/>
+            <a:ext cx="523851" cy="661720"/>
+          </a:xfrm>
+          <a:prstGeom prst="line">
+            <a:avLst/>
+          </a:prstGeom>
+          <a:ln>
+            <a:solidFill>
+              <a:schemeClr val="tx1"/>
+            </a:solidFill>
+          </a:ln>
+        </p:spPr>
+        <p:style>
+          <a:lnRef idx="1">
+            <a:schemeClr val="accent1"/>
+          </a:lnRef>
+          <a:fillRef idx="0">
+            <a:schemeClr val="accent1"/>
+          </a:fillRef>
+          <a:effectRef idx="0">
+            <a:schemeClr val="accent1"/>
+          </a:effectRef>
+          <a:fontRef idx="minor">
+            <a:schemeClr val="tx1"/>
+          </a:fontRef>
+        </p:style>
+      </p:cxnSp>
+      <p:cxnSp>
+        <p:nvCxnSpPr>
+          <p:cNvPr id="23" name="Straight Connector 22"/>
+          <p:cNvCxnSpPr/>
+          <p:nvPr/>
+        </p:nvCxnSpPr>
+        <p:spPr>
+          <a:xfrm flipH="1">
+            <a:off x="7252238" y="2893071"/>
+            <a:ext cx="516652" cy="646496"/>
+          </a:xfrm>
+          <a:prstGeom prst="line">
+            <a:avLst/>
+          </a:prstGeom>
+          <a:ln>
+            <a:solidFill>
+              <a:schemeClr val="tx1"/>
+            </a:solidFill>
+          </a:ln>
+        </p:spPr>
+        <p:style>
+          <a:lnRef idx="1">
+            <a:schemeClr val="accent1"/>
+          </a:lnRef>
+          <a:fillRef idx="0">
+            <a:schemeClr val="accent1"/>
+          </a:fillRef>
+          <a:effectRef idx="0">
+            <a:schemeClr val="accent1"/>
+          </a:effectRef>
+          <a:fontRef idx="minor">
+            <a:schemeClr val="tx1"/>
+          </a:fontRef>
+        </p:style>
+      </p:cxnSp>
+      <p:cxnSp>
+        <p:nvCxnSpPr>
+          <p:cNvPr id="27" name="Straight Connector 26"/>
+          <p:cNvCxnSpPr/>
+          <p:nvPr/>
+        </p:nvCxnSpPr>
+        <p:spPr>
+          <a:xfrm>
+            <a:off x="7897340" y="2216128"/>
+            <a:ext cx="0" cy="429768"/>
+          </a:xfrm>
+          <a:prstGeom prst="line">
+            <a:avLst/>
+          </a:prstGeom>
+          <a:ln>
+            <a:solidFill>
+              <a:schemeClr val="tx1"/>
+            </a:solidFill>
+          </a:ln>
+        </p:spPr>
+        <p:style>
+          <a:lnRef idx="1">
+            <a:schemeClr val="accent1"/>
+          </a:lnRef>
+          <a:fillRef idx="0">
+            <a:schemeClr val="accent1"/>
+          </a:fillRef>
+          <a:effectRef idx="0">
+            <a:schemeClr val="accent1"/>
+          </a:effectRef>
+          <a:fontRef idx="minor">
+            <a:schemeClr val="tx1"/>
+          </a:fontRef>
+        </p:style>
+      </p:cxnSp>
     </p:spTree>
     <p:extLst>
       <p:ext uri="{BB962C8B-B14F-4D97-AF65-F5344CB8AC3E}">

--- a/logo.pptx
+++ b/logo.pptx
@@ -3252,6 +3252,339 @@
           </a:fontRef>
         </p:style>
       </p:cxnSp>
+      <p:sp>
+        <p:nvSpPr>
+          <p:cNvPr id="26" name="Rectangle 25"/>
+          <p:cNvSpPr/>
+          <p:nvPr/>
+        </p:nvSpPr>
+        <p:spPr>
+          <a:xfrm>
+            <a:off x="5224144" y="4239695"/>
+            <a:ext cx="1428206" cy="1400240"/>
+          </a:xfrm>
+          <a:prstGeom prst="rect">
+            <a:avLst/>
+          </a:prstGeom>
+          <a:solidFill>
+            <a:schemeClr val="accent1">
+              <a:alpha val="50000"/>
+            </a:schemeClr>
+          </a:solidFill>
+        </p:spPr>
+        <p:style>
+          <a:lnRef idx="2">
+            <a:schemeClr val="accent1">
+              <a:shade val="50000"/>
+            </a:schemeClr>
+          </a:lnRef>
+          <a:fillRef idx="1">
+            <a:schemeClr val="accent1"/>
+          </a:fillRef>
+          <a:effectRef idx="0">
+            <a:schemeClr val="accent1"/>
+          </a:effectRef>
+          <a:fontRef idx="minor">
+            <a:schemeClr val="lt1"/>
+          </a:fontRef>
+        </p:style>
+        <p:txBody>
+          <a:bodyPr rtlCol="0" anchor="ctr"/>
+          <a:lstStyle/>
+          <a:p>
+            <a:pPr algn="ctr"/>
+            <a:endParaRPr lang="en-US"/>
+          </a:p>
+        </p:txBody>
+      </p:sp>
+      <p:sp>
+        <p:nvSpPr>
+          <p:cNvPr id="28" name="TextBox 27"/>
+          <p:cNvSpPr txBox="1"/>
+          <p:nvPr/>
+        </p:nvSpPr>
+        <p:spPr>
+          <a:xfrm>
+            <a:off x="2028426" y="2827435"/>
+            <a:ext cx="1280160" cy="1280160"/>
+          </a:xfrm>
+          <a:prstGeom prst="rect">
+            <a:avLst/>
+          </a:prstGeom>
+          <a:solidFill>
+            <a:schemeClr val="accent1">
+              <a:alpha val="50000"/>
+            </a:schemeClr>
+          </a:solidFill>
+          <a:ln w="38100">
+            <a:solidFill>
+              <a:schemeClr val="tx1"/>
+            </a:solidFill>
+          </a:ln>
+        </p:spPr>
+        <p:txBody>
+          <a:bodyPr wrap="square" rtlCol="0">
+            <a:spAutoFit/>
+          </a:bodyPr>
+          <a:lstStyle/>
+          <a:p>
+            <a:pPr algn="ctr"/>
+            <a:r>
+              <a:rPr lang="en-US" sz="4400" dirty="0" smtClean="0"/>
+              <a:t>#5</a:t>
+            </a:r>
+            <a:endParaRPr lang="en-US" sz="4400" dirty="0" smtClean="0"/>
+          </a:p>
+          <a:p>
+            <a:pPr algn="ctr"/>
+            <a:r>
+              <a:rPr lang="en-US" sz="3200" dirty="0" smtClean="0">
+                <a:latin typeface="Georgia" panose="02040502050405020303" pitchFamily="18" charset="0"/>
+              </a:rPr>
+              <a:t>KWG</a:t>
+            </a:r>
+            <a:endParaRPr lang="en-US" sz="3200" dirty="0">
+              <a:latin typeface="Georgia" panose="02040502050405020303" pitchFamily="18" charset="0"/>
+            </a:endParaRPr>
+          </a:p>
+        </p:txBody>
+      </p:sp>
+      <p:sp>
+        <p:nvSpPr>
+          <p:cNvPr id="29" name="Oval 28"/>
+          <p:cNvSpPr/>
+          <p:nvPr/>
+        </p:nvSpPr>
+        <p:spPr>
+          <a:xfrm>
+            <a:off x="5801087" y="4731731"/>
+            <a:ext cx="274320" cy="274320"/>
+          </a:xfrm>
+          <a:prstGeom prst="ellipse">
+            <a:avLst/>
+          </a:prstGeom>
+          <a:noFill/>
+          <a:ln w="38100">
+            <a:solidFill>
+              <a:schemeClr val="tx1"/>
+            </a:solidFill>
+          </a:ln>
+        </p:spPr>
+        <p:style>
+          <a:lnRef idx="2">
+            <a:schemeClr val="accent1">
+              <a:shade val="50000"/>
+            </a:schemeClr>
+          </a:lnRef>
+          <a:fillRef idx="1">
+            <a:schemeClr val="accent1"/>
+          </a:fillRef>
+          <a:effectRef idx="0">
+            <a:schemeClr val="accent1"/>
+          </a:effectRef>
+          <a:fontRef idx="minor">
+            <a:schemeClr val="lt1"/>
+          </a:fontRef>
+        </p:style>
+        <p:txBody>
+          <a:bodyPr rtlCol="0" anchor="ctr"/>
+          <a:lstStyle/>
+          <a:p>
+            <a:pPr algn="ctr"/>
+            <a:endParaRPr lang="en-US"/>
+          </a:p>
+        </p:txBody>
+      </p:sp>
+      <p:sp>
+        <p:nvSpPr>
+          <p:cNvPr id="30" name="TextBox 29"/>
+          <p:cNvSpPr txBox="1"/>
+          <p:nvPr/>
+        </p:nvSpPr>
+        <p:spPr>
+          <a:xfrm>
+            <a:off x="5781492" y="4636719"/>
+            <a:ext cx="313510" cy="369332"/>
+          </a:xfrm>
+          <a:prstGeom prst="rect">
+            <a:avLst/>
+          </a:prstGeom>
+          <a:noFill/>
+          <a:ln w="12700">
+            <a:noFill/>
+          </a:ln>
+        </p:spPr>
+        <p:txBody>
+          <a:bodyPr wrap="square" rtlCol="0">
+            <a:spAutoFit/>
+          </a:bodyPr>
+          <a:lstStyle/>
+          <a:p>
+            <a:r>
+              <a:rPr lang="en-US" b="1" dirty="0" smtClean="0">
+                <a:latin typeface="Georgia" panose="02040502050405020303" pitchFamily="18" charset="0"/>
+              </a:rPr>
+              <a:t>5</a:t>
+            </a:r>
+            <a:endParaRPr lang="en-US" b="1" dirty="0">
+              <a:latin typeface="Georgia" panose="02040502050405020303" pitchFamily="18" charset="0"/>
+            </a:endParaRPr>
+          </a:p>
+        </p:txBody>
+      </p:sp>
+      <p:cxnSp>
+        <p:nvCxnSpPr>
+          <p:cNvPr id="31" name="Straight Connector 30"/>
+          <p:cNvCxnSpPr/>
+          <p:nvPr/>
+        </p:nvCxnSpPr>
+        <p:spPr>
+          <a:xfrm flipH="1" flipV="1">
+            <a:off x="6068207" y="4927673"/>
+            <a:ext cx="523851" cy="661720"/>
+          </a:xfrm>
+          <a:prstGeom prst="line">
+            <a:avLst/>
+          </a:prstGeom>
+          <a:ln>
+            <a:solidFill>
+              <a:schemeClr val="tx1"/>
+            </a:solidFill>
+          </a:ln>
+        </p:spPr>
+        <p:style>
+          <a:lnRef idx="1">
+            <a:schemeClr val="accent1"/>
+          </a:lnRef>
+          <a:fillRef idx="0">
+            <a:schemeClr val="accent1"/>
+          </a:fillRef>
+          <a:effectRef idx="0">
+            <a:schemeClr val="accent1"/>
+          </a:effectRef>
+          <a:fontRef idx="minor">
+            <a:schemeClr val="tx1"/>
+          </a:fontRef>
+        </p:style>
+      </p:cxnSp>
+      <p:cxnSp>
+        <p:nvCxnSpPr>
+          <p:cNvPr id="32" name="Straight Connector 31"/>
+          <p:cNvCxnSpPr/>
+          <p:nvPr/>
+        </p:nvCxnSpPr>
+        <p:spPr>
+          <a:xfrm flipH="1">
+            <a:off x="5284436" y="4951606"/>
+            <a:ext cx="516652" cy="646496"/>
+          </a:xfrm>
+          <a:prstGeom prst="line">
+            <a:avLst/>
+          </a:prstGeom>
+          <a:ln>
+            <a:solidFill>
+              <a:schemeClr val="tx1"/>
+            </a:solidFill>
+          </a:ln>
+        </p:spPr>
+        <p:style>
+          <a:lnRef idx="1">
+            <a:schemeClr val="accent1"/>
+          </a:lnRef>
+          <a:fillRef idx="0">
+            <a:schemeClr val="accent1"/>
+          </a:fillRef>
+          <a:effectRef idx="0">
+            <a:schemeClr val="accent1"/>
+          </a:effectRef>
+          <a:fontRef idx="minor">
+            <a:schemeClr val="tx1"/>
+          </a:fontRef>
+        </p:style>
+      </p:cxnSp>
+      <p:cxnSp>
+        <p:nvCxnSpPr>
+          <p:cNvPr id="33" name="Straight Connector 32"/>
+          <p:cNvCxnSpPr/>
+          <p:nvPr/>
+        </p:nvCxnSpPr>
+        <p:spPr>
+          <a:xfrm>
+            <a:off x="5929538" y="4274663"/>
+            <a:ext cx="0" cy="429768"/>
+          </a:xfrm>
+          <a:prstGeom prst="line">
+            <a:avLst/>
+          </a:prstGeom>
+          <a:ln>
+            <a:solidFill>
+              <a:schemeClr val="tx1"/>
+            </a:solidFill>
+          </a:ln>
+        </p:spPr>
+        <p:style>
+          <a:lnRef idx="1">
+            <a:schemeClr val="accent1"/>
+          </a:lnRef>
+          <a:fillRef idx="0">
+            <a:schemeClr val="accent1"/>
+          </a:fillRef>
+          <a:effectRef idx="0">
+            <a:schemeClr val="accent1"/>
+          </a:effectRef>
+          <a:fontRef idx="minor">
+            <a:schemeClr val="tx1"/>
+          </a:fontRef>
+        </p:style>
+      </p:cxnSp>
+      <p:sp>
+        <p:nvSpPr>
+          <p:cNvPr id="53" name="Rectangle 52"/>
+          <p:cNvSpPr/>
+          <p:nvPr/>
+        </p:nvSpPr>
+        <p:spPr>
+          <a:xfrm>
+            <a:off x="2065774" y="4642150"/>
+            <a:ext cx="1701800" cy="276703"/>
+          </a:xfrm>
+          <a:prstGeom prst="rect">
+            <a:avLst/>
+          </a:prstGeom>
+          <a:solidFill>
+            <a:schemeClr val="bg1"/>
+          </a:solidFill>
+          <a:ln>
+            <a:solidFill>
+              <a:schemeClr val="bg1"/>
+            </a:solidFill>
+          </a:ln>
+        </p:spPr>
+        <p:style>
+          <a:lnRef idx="2">
+            <a:schemeClr val="accent1">
+              <a:shade val="50000"/>
+            </a:schemeClr>
+          </a:lnRef>
+          <a:fillRef idx="1">
+            <a:schemeClr val="accent1"/>
+          </a:fillRef>
+          <a:effectRef idx="0">
+            <a:schemeClr val="accent1"/>
+          </a:effectRef>
+          <a:fontRef idx="minor">
+            <a:schemeClr val="lt1"/>
+          </a:fontRef>
+        </p:style>
+        <p:txBody>
+          <a:bodyPr rtlCol="0" anchor="ctr"/>
+          <a:lstStyle/>
+          <a:p>
+            <a:pPr algn="ctr"/>
+            <a:endParaRPr lang="en-US"/>
+          </a:p>
+        </p:txBody>
+      </p:sp>
     </p:spTree>
     <p:extLst>
       <p:ext uri="{BB962C8B-B14F-4D97-AF65-F5344CB8AC3E}">

--- a/logo.pptx
+++ b/logo.pptx
@@ -244,7 +244,7 @@
           <a:p>
             <a:fld id="{1290D236-185D-4EBF-8D94-F254D8BD4C69}" type="datetimeFigureOut">
               <a:rPr lang="en-US" smtClean="0"/>
-              <a:t>11/25/2019</a:t>
+              <a:t>11/30/2019</a:t>
             </a:fld>
             <a:endParaRPr lang="en-US"/>
           </a:p>
@@ -414,7 +414,7 @@
           <a:p>
             <a:fld id="{1290D236-185D-4EBF-8D94-F254D8BD4C69}" type="datetimeFigureOut">
               <a:rPr lang="en-US" smtClean="0"/>
-              <a:t>11/25/2019</a:t>
+              <a:t>11/30/2019</a:t>
             </a:fld>
             <a:endParaRPr lang="en-US"/>
           </a:p>
@@ -594,7 +594,7 @@
           <a:p>
             <a:fld id="{1290D236-185D-4EBF-8D94-F254D8BD4C69}" type="datetimeFigureOut">
               <a:rPr lang="en-US" smtClean="0"/>
-              <a:t>11/25/2019</a:t>
+              <a:t>11/30/2019</a:t>
             </a:fld>
             <a:endParaRPr lang="en-US"/>
           </a:p>
@@ -764,7 +764,7 @@
           <a:p>
             <a:fld id="{1290D236-185D-4EBF-8D94-F254D8BD4C69}" type="datetimeFigureOut">
               <a:rPr lang="en-US" smtClean="0"/>
-              <a:t>11/25/2019</a:t>
+              <a:t>11/30/2019</a:t>
             </a:fld>
             <a:endParaRPr lang="en-US"/>
           </a:p>
@@ -1010,7 +1010,7 @@
           <a:p>
             <a:fld id="{1290D236-185D-4EBF-8D94-F254D8BD4C69}" type="datetimeFigureOut">
               <a:rPr lang="en-US" smtClean="0"/>
-              <a:t>11/25/2019</a:t>
+              <a:t>11/30/2019</a:t>
             </a:fld>
             <a:endParaRPr lang="en-US"/>
           </a:p>
@@ -1242,7 +1242,7 @@
           <a:p>
             <a:fld id="{1290D236-185D-4EBF-8D94-F254D8BD4C69}" type="datetimeFigureOut">
               <a:rPr lang="en-US" smtClean="0"/>
-              <a:t>11/25/2019</a:t>
+              <a:t>11/30/2019</a:t>
             </a:fld>
             <a:endParaRPr lang="en-US"/>
           </a:p>
@@ -1609,7 +1609,7 @@
           <a:p>
             <a:fld id="{1290D236-185D-4EBF-8D94-F254D8BD4C69}" type="datetimeFigureOut">
               <a:rPr lang="en-US" smtClean="0"/>
-              <a:t>11/25/2019</a:t>
+              <a:t>11/30/2019</a:t>
             </a:fld>
             <a:endParaRPr lang="en-US"/>
           </a:p>
@@ -1727,7 +1727,7 @@
           <a:p>
             <a:fld id="{1290D236-185D-4EBF-8D94-F254D8BD4C69}" type="datetimeFigureOut">
               <a:rPr lang="en-US" smtClean="0"/>
-              <a:t>11/25/2019</a:t>
+              <a:t>11/30/2019</a:t>
             </a:fld>
             <a:endParaRPr lang="en-US"/>
           </a:p>
@@ -1822,7 +1822,7 @@
           <a:p>
             <a:fld id="{1290D236-185D-4EBF-8D94-F254D8BD4C69}" type="datetimeFigureOut">
               <a:rPr lang="en-US" smtClean="0"/>
-              <a:t>11/25/2019</a:t>
+              <a:t>11/30/2019</a:t>
             </a:fld>
             <a:endParaRPr lang="en-US"/>
           </a:p>
@@ -2099,7 +2099,7 @@
           <a:p>
             <a:fld id="{1290D236-185D-4EBF-8D94-F254D8BD4C69}" type="datetimeFigureOut">
               <a:rPr lang="en-US" smtClean="0"/>
-              <a:t>11/25/2019</a:t>
+              <a:t>11/30/2019</a:t>
             </a:fld>
             <a:endParaRPr lang="en-US"/>
           </a:p>
@@ -2352,7 +2352,7 @@
           <a:p>
             <a:fld id="{1290D236-185D-4EBF-8D94-F254D8BD4C69}" type="datetimeFigureOut">
               <a:rPr lang="en-US" smtClean="0"/>
-              <a:t>11/25/2019</a:t>
+              <a:t>11/30/2019</a:t>
             </a:fld>
             <a:endParaRPr lang="en-US"/>
           </a:p>
@@ -2565,7 +2565,7 @@
           <a:p>
             <a:fld id="{1290D236-185D-4EBF-8D94-F254D8BD4C69}" type="datetimeFigureOut">
               <a:rPr lang="en-US" smtClean="0"/>
-              <a:t>11/25/2019</a:t>
+              <a:t>11/30/2019</a:t>
             </a:fld>
             <a:endParaRPr lang="en-US"/>
           </a:p>
@@ -3330,10 +3330,9 @@
           <a:p>
             <a:pPr algn="ctr"/>
             <a:r>
-              <a:rPr lang="en-US" sz="4400" dirty="0" smtClean="0"/>
+              <a:rPr lang="en-US" sz="4400" dirty="0"/>
               <a:t>#5</a:t>
             </a:r>
-            <a:endParaRPr lang="en-US" sz="4400" dirty="0" smtClean="0"/>
           </a:p>
           <a:p>
             <a:pPr algn="ctr"/>
@@ -3557,6 +3556,229 @@
           <a:ln>
             <a:solidFill>
               <a:schemeClr val="bg1"/>
+            </a:solidFill>
+          </a:ln>
+        </p:spPr>
+        <p:style>
+          <a:lnRef idx="2">
+            <a:schemeClr val="accent1">
+              <a:shade val="50000"/>
+            </a:schemeClr>
+          </a:lnRef>
+          <a:fillRef idx="1">
+            <a:schemeClr val="accent1"/>
+          </a:fillRef>
+          <a:effectRef idx="0">
+            <a:schemeClr val="accent1"/>
+          </a:effectRef>
+          <a:fontRef idx="minor">
+            <a:schemeClr val="lt1"/>
+          </a:fontRef>
+        </p:style>
+        <p:txBody>
+          <a:bodyPr rtlCol="0" anchor="ctr"/>
+          <a:lstStyle/>
+          <a:p>
+            <a:pPr algn="ctr"/>
+            <a:endParaRPr lang="en-US"/>
+          </a:p>
+        </p:txBody>
+      </p:sp>
+      <p:pic>
+        <p:nvPicPr>
+          <p:cNvPr id="2" name="Picture 1"/>
+          <p:cNvPicPr>
+            <a:picLocks noChangeAspect="1"/>
+          </p:cNvPicPr>
+          <p:nvPr/>
+        </p:nvPicPr>
+        <p:blipFill>
+          <a:blip r:embed="rId2"/>
+          <a:stretch>
+            <a:fillRect/>
+          </a:stretch>
+        </p:blipFill>
+        <p:spPr>
+          <a:xfrm>
+            <a:off x="1302612" y="487681"/>
+            <a:ext cx="1855414" cy="1402874"/>
+          </a:xfrm>
+          <a:prstGeom prst="rect">
+            <a:avLst/>
+          </a:prstGeom>
+        </p:spPr>
+      </p:pic>
+      <p:sp>
+        <p:nvSpPr>
+          <p:cNvPr id="5" name="Rectangle 4"/>
+          <p:cNvSpPr/>
+          <p:nvPr/>
+        </p:nvSpPr>
+        <p:spPr>
+          <a:xfrm>
+            <a:off x="3866606" y="705394"/>
+            <a:ext cx="836023" cy="1105989"/>
+          </a:xfrm>
+          <a:prstGeom prst="rect">
+            <a:avLst/>
+          </a:prstGeom>
+          <a:solidFill>
+            <a:schemeClr val="accent4">
+              <a:lumMod val="40000"/>
+              <a:lumOff val="60000"/>
+            </a:schemeClr>
+          </a:solidFill>
+          <a:ln w="38100">
+            <a:solidFill>
+              <a:schemeClr val="accent4"/>
+            </a:solidFill>
+          </a:ln>
+          <a:effectLst>
+            <a:outerShdw blurRad="50800" dist="38100" dir="2700000" algn="tl" rotWithShape="0">
+              <a:prstClr val="black">
+                <a:alpha val="40000"/>
+              </a:prstClr>
+            </a:outerShdw>
+          </a:effectLst>
+        </p:spPr>
+        <p:style>
+          <a:lnRef idx="2">
+            <a:schemeClr val="accent1">
+              <a:shade val="50000"/>
+            </a:schemeClr>
+          </a:lnRef>
+          <a:fillRef idx="1">
+            <a:schemeClr val="accent1"/>
+          </a:fillRef>
+          <a:effectRef idx="0">
+            <a:schemeClr val="accent1"/>
+          </a:effectRef>
+          <a:fontRef idx="minor">
+            <a:schemeClr val="lt1"/>
+          </a:fontRef>
+        </p:style>
+        <p:txBody>
+          <a:bodyPr rtlCol="0" anchor="ctr"/>
+          <a:lstStyle/>
+          <a:p>
+            <a:pPr algn="ctr"/>
+            <a:endParaRPr lang="en-US"/>
+          </a:p>
+        </p:txBody>
+      </p:sp>
+      <p:sp>
+        <p:nvSpPr>
+          <p:cNvPr id="8" name="Rectangle 7"/>
+          <p:cNvSpPr/>
+          <p:nvPr/>
+        </p:nvSpPr>
+        <p:spPr>
+          <a:xfrm>
+            <a:off x="4611189" y="1489166"/>
+            <a:ext cx="187234" cy="322217"/>
+          </a:xfrm>
+          <a:prstGeom prst="rect">
+            <a:avLst/>
+          </a:prstGeom>
+          <a:solidFill>
+            <a:schemeClr val="accent4">
+              <a:lumMod val="40000"/>
+              <a:lumOff val="60000"/>
+            </a:schemeClr>
+          </a:solidFill>
+          <a:ln w="38100">
+            <a:solidFill>
+              <a:schemeClr val="accent4"/>
+            </a:solidFill>
+          </a:ln>
+          <a:effectLst>
+            <a:outerShdw blurRad="50800" dist="38100" dir="2700000" algn="tl" rotWithShape="0">
+              <a:prstClr val="black">
+                <a:alpha val="40000"/>
+              </a:prstClr>
+            </a:outerShdw>
+          </a:effectLst>
+        </p:spPr>
+        <p:style>
+          <a:lnRef idx="2">
+            <a:schemeClr val="accent1">
+              <a:shade val="50000"/>
+            </a:schemeClr>
+          </a:lnRef>
+          <a:fillRef idx="1">
+            <a:schemeClr val="accent1"/>
+          </a:fillRef>
+          <a:effectRef idx="0">
+            <a:schemeClr val="accent1"/>
+          </a:effectRef>
+          <a:fontRef idx="minor">
+            <a:schemeClr val="lt1"/>
+          </a:fontRef>
+        </p:style>
+        <p:txBody>
+          <a:bodyPr rtlCol="0" anchor="ctr"/>
+          <a:lstStyle/>
+          <a:p>
+            <a:pPr algn="ctr"/>
+            <a:endParaRPr lang="en-US"/>
+          </a:p>
+        </p:txBody>
+      </p:sp>
+      <p:sp>
+        <p:nvSpPr>
+          <p:cNvPr id="9" name="Rectangle 8"/>
+          <p:cNvSpPr/>
+          <p:nvPr/>
+        </p:nvSpPr>
+        <p:spPr>
+          <a:xfrm>
+            <a:off x="3886146" y="600891"/>
+            <a:ext cx="792588" cy="1261884"/>
+          </a:xfrm>
+          <a:prstGeom prst="rect">
+            <a:avLst/>
+          </a:prstGeom>
+        </p:spPr>
+        <p:txBody>
+          <a:bodyPr wrap="none">
+            <a:spAutoFit/>
+          </a:bodyPr>
+          <a:lstStyle/>
+          <a:p>
+            <a:pPr algn="ctr"/>
+            <a:r>
+              <a:rPr lang="en-US" sz="4800" b="1" dirty="0" smtClean="0"/>
+              <a:t>5</a:t>
+            </a:r>
+          </a:p>
+          <a:p>
+            <a:pPr algn="ctr"/>
+            <a:r>
+              <a:rPr lang="en-US" sz="2800" b="1" dirty="0" smtClean="0"/>
+              <a:t>kwg</a:t>
+            </a:r>
+            <a:endParaRPr lang="en-US" sz="3200" b="1" dirty="0"/>
+          </a:p>
+        </p:txBody>
+      </p:sp>
+      <p:sp>
+        <p:nvSpPr>
+          <p:cNvPr id="10" name="Rectangle 9"/>
+          <p:cNvSpPr/>
+          <p:nvPr/>
+        </p:nvSpPr>
+        <p:spPr>
+          <a:xfrm>
+            <a:off x="3596640" y="600891"/>
+            <a:ext cx="1371600" cy="1367246"/>
+          </a:xfrm>
+          <a:prstGeom prst="rect">
+            <a:avLst/>
+          </a:prstGeom>
+          <a:noFill/>
+          <a:ln>
+            <a:solidFill>
+              <a:schemeClr val="tx1"/>
             </a:solidFill>
           </a:ln>
         </p:spPr>
